--- a/gluonnlp_intro/GluonNLP.pptx
+++ b/gluonnlp_intro/GluonNLP.pptx
@@ -8050,7 +8050,7 @@
           </a:ln>
           <a:extLst>
             <a:ext uri="{C572A759-6A51-4108-AA02-DFA0A04FC94B}">
-              <ma14:wrappingTextBoxFlag xmlns:ma14="http://schemas.microsoft.com/office/mac/drawingml/2011/main" xmlns:a14="http://schemas.microsoft.com/office/drawing/2010/main" xmlns:m="http://schemas.openxmlformats.org/officeDocument/2006/math" xmlns="" val="1"/>
+              <ma14:wrappingTextBoxFlag xmlns="" xmlns:m="http://schemas.openxmlformats.org/officeDocument/2006/math" xmlns:a14="http://schemas.microsoft.com/office/drawing/2010/main" xmlns:ma14="http://schemas.microsoft.com/office/mac/drawingml/2011/main" val="1"/>
             </a:ext>
           </a:extLst>
         </p:spPr>
@@ -8114,7 +8114,7 @@
           </a:ln>
           <a:extLst>
             <a:ext uri="{C572A759-6A51-4108-AA02-DFA0A04FC94B}">
-              <ma14:wrappingTextBoxFlag xmlns:ma14="http://schemas.microsoft.com/office/mac/drawingml/2011/main" xmlns:a14="http://schemas.microsoft.com/office/drawing/2010/main" xmlns:m="http://schemas.openxmlformats.org/officeDocument/2006/math" xmlns="" val="1"/>
+              <ma14:wrappingTextBoxFlag xmlns="" xmlns:m="http://schemas.openxmlformats.org/officeDocument/2006/math" xmlns:a14="http://schemas.microsoft.com/office/drawing/2010/main" xmlns:ma14="http://schemas.microsoft.com/office/mac/drawingml/2011/main" val="1"/>
             </a:ext>
           </a:extLst>
         </p:spPr>
@@ -8381,7 +8381,7 @@
           </a:ln>
           <a:extLst>
             <a:ext uri="{C572A759-6A51-4108-AA02-DFA0A04FC94B}">
-              <ma14:wrappingTextBoxFlag xmlns:ma14="http://schemas.microsoft.com/office/mac/drawingml/2011/main" xmlns:a14="http://schemas.microsoft.com/office/drawing/2010/main" xmlns:m="http://schemas.openxmlformats.org/officeDocument/2006/math" xmlns="" val="1"/>
+              <ma14:wrappingTextBoxFlag xmlns="" xmlns:m="http://schemas.openxmlformats.org/officeDocument/2006/math" xmlns:a14="http://schemas.microsoft.com/office/drawing/2010/main" xmlns:ma14="http://schemas.microsoft.com/office/mac/drawingml/2011/main" val="1"/>
             </a:ext>
           </a:extLst>
         </p:spPr>
@@ -9207,7 +9207,7 @@
           </a:ln>
           <a:extLst>
             <a:ext uri="{C572A759-6A51-4108-AA02-DFA0A04FC94B}">
-              <ma14:wrappingTextBoxFlag xmlns:ma14="http://schemas.microsoft.com/office/mac/drawingml/2011/main" xmlns:a14="http://schemas.microsoft.com/office/drawing/2010/main" xmlns:m="http://schemas.openxmlformats.org/officeDocument/2006/math" xmlns="" val="1"/>
+              <ma14:wrappingTextBoxFlag xmlns="" xmlns:m="http://schemas.openxmlformats.org/officeDocument/2006/math" xmlns:a14="http://schemas.microsoft.com/office/drawing/2010/main" xmlns:ma14="http://schemas.microsoft.com/office/mac/drawingml/2011/main" val="1"/>
             </a:ext>
           </a:extLst>
         </p:spPr>
@@ -9387,7 +9387,7 @@
           </a:ln>
           <a:extLst>
             <a:ext uri="{C572A759-6A51-4108-AA02-DFA0A04FC94B}">
-              <ma14:wrappingTextBoxFlag xmlns:ma14="http://schemas.microsoft.com/office/mac/drawingml/2011/main" xmlns:a14="http://schemas.microsoft.com/office/drawing/2010/main" xmlns:m="http://schemas.openxmlformats.org/officeDocument/2006/math" xmlns="" val="1"/>
+              <ma14:wrappingTextBoxFlag xmlns="" xmlns:m="http://schemas.openxmlformats.org/officeDocument/2006/math" xmlns:a14="http://schemas.microsoft.com/office/drawing/2010/main" xmlns:ma14="http://schemas.microsoft.com/office/mac/drawingml/2011/main" val="1"/>
             </a:ext>
           </a:extLst>
         </p:spPr>
@@ -9437,7 +9437,7 @@
           </a:ln>
           <a:extLst>
             <a:ext uri="{C572A759-6A51-4108-AA02-DFA0A04FC94B}">
-              <ma14:wrappingTextBoxFlag xmlns:ma14="http://schemas.microsoft.com/office/mac/drawingml/2011/main" xmlns:a14="http://schemas.microsoft.com/office/drawing/2010/main" xmlns:m="http://schemas.openxmlformats.org/officeDocument/2006/math" xmlns="" val="1"/>
+              <ma14:wrappingTextBoxFlag xmlns="" xmlns:m="http://schemas.openxmlformats.org/officeDocument/2006/math" xmlns:a14="http://schemas.microsoft.com/office/drawing/2010/main" xmlns:ma14="http://schemas.microsoft.com/office/mac/drawingml/2011/main" val="1"/>
             </a:ext>
           </a:extLst>
         </p:spPr>
@@ -9767,7 +9767,7 @@
           </a:ln>
           <a:extLst>
             <a:ext uri="{C572A759-6A51-4108-AA02-DFA0A04FC94B}">
-              <ma14:wrappingTextBoxFlag xmlns:ma14="http://schemas.microsoft.com/office/mac/drawingml/2011/main" xmlns:a14="http://schemas.microsoft.com/office/drawing/2010/main" xmlns:m="http://schemas.openxmlformats.org/officeDocument/2006/math" xmlns="" val="1"/>
+              <ma14:wrappingTextBoxFlag xmlns="" xmlns:m="http://schemas.openxmlformats.org/officeDocument/2006/math" xmlns:a14="http://schemas.microsoft.com/office/drawing/2010/main" xmlns:ma14="http://schemas.microsoft.com/office/mac/drawingml/2011/main" val="1"/>
             </a:ext>
           </a:extLst>
         </p:spPr>
@@ -9820,7 +9820,7 @@
           </a:ln>
           <a:extLst>
             <a:ext uri="{C572A759-6A51-4108-AA02-DFA0A04FC94B}">
-              <ma14:wrappingTextBoxFlag xmlns:ma14="http://schemas.microsoft.com/office/mac/drawingml/2011/main" xmlns:a14="http://schemas.microsoft.com/office/drawing/2010/main" xmlns:m="http://schemas.openxmlformats.org/officeDocument/2006/math" xmlns="" val="1"/>
+              <ma14:wrappingTextBoxFlag xmlns="" xmlns:m="http://schemas.openxmlformats.org/officeDocument/2006/math" xmlns:a14="http://schemas.microsoft.com/office/drawing/2010/main" xmlns:ma14="http://schemas.microsoft.com/office/mac/drawingml/2011/main" val="1"/>
             </a:ext>
           </a:extLst>
         </p:spPr>
@@ -10187,7 +10187,7 @@
           </a:ln>
           <a:extLst>
             <a:ext uri="{C572A759-6A51-4108-AA02-DFA0A04FC94B}">
-              <ma14:wrappingTextBoxFlag xmlns:ma14="http://schemas.microsoft.com/office/mac/drawingml/2011/main" xmlns:a14="http://schemas.microsoft.com/office/drawing/2010/main" xmlns:m="http://schemas.openxmlformats.org/officeDocument/2006/math" xmlns="" val="1"/>
+              <ma14:wrappingTextBoxFlag xmlns="" xmlns:m="http://schemas.openxmlformats.org/officeDocument/2006/math" xmlns:a14="http://schemas.microsoft.com/office/drawing/2010/main" xmlns:ma14="http://schemas.microsoft.com/office/mac/drawingml/2011/main" val="1"/>
             </a:ext>
           </a:extLst>
         </p:spPr>
@@ -10366,7 +10366,7 @@
           </a:ln>
           <a:extLst>
             <a:ext uri="{C572A759-6A51-4108-AA02-DFA0A04FC94B}">
-              <ma14:wrappingTextBoxFlag xmlns:ma14="http://schemas.microsoft.com/office/mac/drawingml/2011/main" xmlns:a14="http://schemas.microsoft.com/office/drawing/2010/main" xmlns:m="http://schemas.openxmlformats.org/officeDocument/2006/math" xmlns="" val="1"/>
+              <ma14:wrappingTextBoxFlag xmlns="" xmlns:m="http://schemas.openxmlformats.org/officeDocument/2006/math" xmlns:a14="http://schemas.microsoft.com/office/drawing/2010/main" xmlns:ma14="http://schemas.microsoft.com/office/mac/drawingml/2011/main" val="1"/>
             </a:ext>
           </a:extLst>
         </p:spPr>
@@ -10415,7 +10415,7 @@
           </a:ln>
           <a:extLst>
             <a:ext uri="{C572A759-6A51-4108-AA02-DFA0A04FC94B}">
-              <ma14:wrappingTextBoxFlag xmlns:ma14="http://schemas.microsoft.com/office/mac/drawingml/2011/main" xmlns:a14="http://schemas.microsoft.com/office/drawing/2010/main" xmlns:m="http://schemas.openxmlformats.org/officeDocument/2006/math" xmlns="" val="1"/>
+              <ma14:wrappingTextBoxFlag xmlns="" xmlns:m="http://schemas.openxmlformats.org/officeDocument/2006/math" xmlns:a14="http://schemas.microsoft.com/office/drawing/2010/main" xmlns:ma14="http://schemas.microsoft.com/office/mac/drawingml/2011/main" val="1"/>
             </a:ext>
           </a:extLst>
         </p:spPr>
@@ -10534,7 +10534,7 @@
             <a:effectLst/>
             <a:extLst>
               <a:ext uri="{C572A759-6A51-4108-AA02-DFA0A04FC94B}">
-                <ma14:wrappingTextBoxFlag xmlns:ma14="http://schemas.microsoft.com/office/mac/drawingml/2011/main" xmlns:a14="http://schemas.microsoft.com/office/drawing/2010/main" xmlns:m="http://schemas.openxmlformats.org/officeDocument/2006/math" xmlns="" val="1"/>
+                <ma14:wrappingTextBoxFlag xmlns="" xmlns:m="http://schemas.openxmlformats.org/officeDocument/2006/math" xmlns:a14="http://schemas.microsoft.com/office/drawing/2010/main" xmlns:ma14="http://schemas.microsoft.com/office/mac/drawingml/2011/main" val="1"/>
               </a:ext>
             </a:extLst>
           </p:spPr>
@@ -10706,7 +10706,7 @@
           </a:ln>
           <a:extLst>
             <a:ext uri="{C572A759-6A51-4108-AA02-DFA0A04FC94B}">
-              <ma14:wrappingTextBoxFlag xmlns:ma14="http://schemas.microsoft.com/office/mac/drawingml/2011/main" xmlns:a14="http://schemas.microsoft.com/office/drawing/2010/main" xmlns:m="http://schemas.openxmlformats.org/officeDocument/2006/math" xmlns="" val="1"/>
+              <ma14:wrappingTextBoxFlag xmlns="" xmlns:m="http://schemas.openxmlformats.org/officeDocument/2006/math" xmlns:a14="http://schemas.microsoft.com/office/drawing/2010/main" xmlns:ma14="http://schemas.microsoft.com/office/mac/drawingml/2011/main" val="1"/>
             </a:ext>
           </a:extLst>
         </p:spPr>
@@ -10854,7 +10854,7 @@
             <a:effectLst/>
             <a:extLst>
               <a:ext uri="{C572A759-6A51-4108-AA02-DFA0A04FC94B}">
-                <ma14:wrappingTextBoxFlag xmlns:ma14="http://schemas.microsoft.com/office/mac/drawingml/2011/main" xmlns:a14="http://schemas.microsoft.com/office/drawing/2010/main" xmlns:m="http://schemas.openxmlformats.org/officeDocument/2006/math" xmlns="" val="1"/>
+                <ma14:wrappingTextBoxFlag xmlns="" xmlns:m="http://schemas.openxmlformats.org/officeDocument/2006/math" xmlns:a14="http://schemas.microsoft.com/office/drawing/2010/main" xmlns:ma14="http://schemas.microsoft.com/office/mac/drawingml/2011/main" val="1"/>
               </a:ext>
             </a:extLst>
           </p:spPr>
@@ -10901,7 +10901,7 @@
           </a:ln>
           <a:extLst>
             <a:ext uri="{C572A759-6A51-4108-AA02-DFA0A04FC94B}">
-              <ma14:wrappingTextBoxFlag xmlns:ma14="http://schemas.microsoft.com/office/mac/drawingml/2011/main" xmlns:a14="http://schemas.microsoft.com/office/drawing/2010/main" xmlns:m="http://schemas.openxmlformats.org/officeDocument/2006/math" xmlns="" val="1"/>
+              <ma14:wrappingTextBoxFlag xmlns="" xmlns:m="http://schemas.openxmlformats.org/officeDocument/2006/math" xmlns:a14="http://schemas.microsoft.com/office/drawing/2010/main" xmlns:ma14="http://schemas.microsoft.com/office/mac/drawingml/2011/main" val="1"/>
             </a:ext>
           </a:extLst>
         </p:spPr>
@@ -10995,7 +10995,7 @@
           </a:ln>
           <a:extLst>
             <a:ext uri="{C572A759-6A51-4108-AA02-DFA0A04FC94B}">
-              <ma14:wrappingTextBoxFlag xmlns:ma14="http://schemas.microsoft.com/office/mac/drawingml/2011/main" xmlns:a14="http://schemas.microsoft.com/office/drawing/2010/main" xmlns:m="http://schemas.openxmlformats.org/officeDocument/2006/math" xmlns="" val="1"/>
+              <ma14:wrappingTextBoxFlag xmlns="" xmlns:m="http://schemas.openxmlformats.org/officeDocument/2006/math" xmlns:a14="http://schemas.microsoft.com/office/drawing/2010/main" xmlns:ma14="http://schemas.microsoft.com/office/mac/drawingml/2011/main" val="1"/>
             </a:ext>
           </a:extLst>
         </p:spPr>
@@ -11105,7 +11105,7 @@
           </a:ln>
           <a:extLst>
             <a:ext uri="{C572A759-6A51-4108-AA02-DFA0A04FC94B}">
-              <ma14:wrappingTextBoxFlag xmlns:ma14="http://schemas.microsoft.com/office/mac/drawingml/2011/main" xmlns:a14="http://schemas.microsoft.com/office/drawing/2010/main" xmlns:m="http://schemas.openxmlformats.org/officeDocument/2006/math" xmlns="" val="1"/>
+              <ma14:wrappingTextBoxFlag xmlns="" xmlns:m="http://schemas.openxmlformats.org/officeDocument/2006/math" xmlns:a14="http://schemas.microsoft.com/office/drawing/2010/main" xmlns:ma14="http://schemas.microsoft.com/office/mac/drawingml/2011/main" val="1"/>
             </a:ext>
           </a:extLst>
         </p:spPr>
@@ -11494,7 +11494,7 @@
           </a:prstGeom>
           <a:extLst>
             <a:ext uri="{C572A759-6A51-4108-AA02-DFA0A04FC94B}">
-              <ma14:wrappingTextBoxFlag xmlns:ma14="http://schemas.microsoft.com/office/mac/drawingml/2011/main" xmlns:a14="http://schemas.microsoft.com/office/drawing/2010/main" xmlns:m="http://schemas.openxmlformats.org/officeDocument/2006/math" xmlns="" val="1"/>
+              <ma14:wrappingTextBoxFlag xmlns="" xmlns:m="http://schemas.openxmlformats.org/officeDocument/2006/math" xmlns:a14="http://schemas.microsoft.com/office/drawing/2010/main" xmlns:ma14="http://schemas.microsoft.com/office/mac/drawingml/2011/main" val="1"/>
             </a:ext>
           </a:extLst>
         </p:spPr>
@@ -11966,84 +11966,145 @@
           <a:bodyPr/>
           <a:lstStyle/>
           <a:p>
-            <a:endParaRPr lang="en-US" dirty="0"/>
+            <a:r>
+              <a:rPr lang="en-US" dirty="0"/>
+              <a:t>Resources</a:t>
+            </a:r>
           </a:p>
         </p:txBody>
       </p:sp>
       <p:sp>
         <p:nvSpPr>
-          <p:cNvPr id="6" name="Rectangle 5">
+          <p:cNvPr id="7" name="Content Placeholder 2">
             <a:extLst>
               <a:ext uri="{FF2B5EF4-FFF2-40B4-BE49-F238E27FC236}">
-                <a16:creationId xmlns:a16="http://schemas.microsoft.com/office/drawing/2014/main" id="{6AC3E1EA-00F0-054C-A29C-363E0422648A}"/>
+                <a16:creationId xmlns:a16="http://schemas.microsoft.com/office/drawing/2014/main" id="{3842297A-7E98-A846-946B-0564523043B8}"/>
               </a:ext>
             </a:extLst>
           </p:cNvPr>
-          <p:cNvSpPr/>
-          <p:nvPr/>
+          <p:cNvSpPr>
+            <a:spLocks noGrp="1"/>
+          </p:cNvSpPr>
+          <p:nvPr>
+            <p:ph idx="1"/>
+          </p:nvPr>
         </p:nvSpPr>
         <p:spPr>
           <a:xfrm>
-            <a:off x="3537100" y="1951204"/>
-            <a:ext cx="2069797" cy="369332"/>
+            <a:off x="336789" y="750337"/>
+            <a:ext cx="8205304" cy="2382330"/>
+          </a:xfrm>
+        </p:spPr>
+        <p:txBody>
+          <a:bodyPr/>
+          <a:lstStyle/>
+          <a:p>
+            <a:pPr marL="342900" indent="-342900">
+              <a:buFont typeface="Arial" panose="020B0604020202020204" pitchFamily="34" charset="0"/>
+              <a:buChar char="•"/>
+            </a:pPr>
+            <a:r>
+              <a:rPr lang="en-CA" dirty="0"/>
+              <a:t>Official website: </a:t>
+            </a:r>
+            <a:r>
+              <a:rPr lang="en-CA" dirty="0">
+                <a:hlinkClick r:id="rId2"/>
+              </a:rPr>
+              <a:t>http://gluon-nlp.mxnet.io/</a:t>
+            </a:r>
+            <a:r>
+              <a:rPr lang="en-CA" dirty="0"/>
+              <a:t> </a:t>
+            </a:r>
+          </a:p>
+          <a:p>
+            <a:pPr marL="342900" indent="-342900">
+              <a:buFont typeface="Arial" panose="020B0604020202020204" pitchFamily="34" charset="0"/>
+              <a:buChar char="•"/>
+            </a:pPr>
+            <a:endParaRPr lang="en-CA" dirty="0"/>
+          </a:p>
+          <a:p>
+            <a:pPr marL="342900" indent="-342900">
+              <a:buFont typeface="Arial" panose="020B0604020202020204" pitchFamily="34" charset="0"/>
+              <a:buChar char="•"/>
+            </a:pPr>
+            <a:r>
+              <a:rPr lang="en-CA" dirty="0" err="1"/>
+              <a:t>Github</a:t>
+            </a:r>
+            <a:r>
+              <a:rPr lang="en-CA" dirty="0"/>
+              <a:t>: </a:t>
+            </a:r>
+            <a:r>
+              <a:rPr lang="en-CA" dirty="0">
+                <a:hlinkClick r:id="rId3"/>
+              </a:rPr>
+              <a:t>https://github.com/dmlc/gluon-nlp</a:t>
+            </a:r>
+            <a:endParaRPr lang="en-CA" dirty="0"/>
+          </a:p>
+          <a:p>
+            <a:pPr marL="342900" indent="-342900">
+              <a:buFont typeface="Arial" panose="020B0604020202020204" pitchFamily="34" charset="0"/>
+              <a:buChar char="•"/>
+            </a:pPr>
+            <a:endParaRPr lang="ru-RU" dirty="0"/>
+          </a:p>
+          <a:p>
+            <a:pPr marL="342900" indent="-342900">
+              <a:buFont typeface="Arial" panose="020B0604020202020204" pitchFamily="34" charset="0"/>
+              <a:buChar char="•"/>
+            </a:pPr>
+            <a:r>
+              <a:rPr lang="en-CA" dirty="0"/>
+              <a:t>Detailed intro: </a:t>
+            </a:r>
+            <a:r>
+              <a:rPr lang="en-CA" dirty="0">
+                <a:hlinkClick r:id="rId4"/>
+              </a:rPr>
+              <a:t>https://github.com/szha/KDD18-Gluon</a:t>
+            </a:r>
+            <a:r>
+              <a:rPr lang="en-CA" dirty="0"/>
+              <a:t> </a:t>
+            </a:r>
+          </a:p>
+        </p:txBody>
+      </p:sp>
+      <p:sp>
+        <p:nvSpPr>
+          <p:cNvPr id="8" name="TextBox 7">
+            <a:extLst>
+              <a:ext uri="{FF2B5EF4-FFF2-40B4-BE49-F238E27FC236}">
+                <a16:creationId xmlns:a16="http://schemas.microsoft.com/office/drawing/2014/main" id="{31BA0A26-5F22-D542-BF16-BEF003BC26EA}"/>
+              </a:ext>
+            </a:extLst>
+          </p:cNvPr>
+          <p:cNvSpPr txBox="1"/>
+          <p:nvPr/>
+        </p:nvSpPr>
+        <p:spPr>
+          <a:xfrm>
+            <a:off x="3335867" y="3683001"/>
+            <a:ext cx="1978427" cy="553998"/>
           </a:xfrm>
           <a:prstGeom prst="rect">
             <a:avLst/>
           </a:prstGeom>
+          <a:noFill/>
         </p:spPr>
         <p:txBody>
-          <a:bodyPr wrap="none">
+          <a:bodyPr wrap="none" rtlCol="0">
             <a:spAutoFit/>
           </a:bodyPr>
           <a:lstStyle/>
           <a:p>
             <a:r>
-              <a:rPr lang="en-US" u="sng" dirty="0">
-                <a:solidFill>
-                  <a:srgbClr val="0563C1"/>
-                </a:solidFill>
-                <a:uFill>
-                  <a:solidFill>
-                    <a:srgbClr val="0563C1"/>
-                  </a:solidFill>
-                </a:uFill>
-                <a:hlinkClick r:id="rId2"/>
-              </a:rPr>
-              <a:t>gluon-nlp.mxnet.io</a:t>
-            </a:r>
-            <a:endParaRPr lang="en-US" dirty="0"/>
-          </a:p>
-        </p:txBody>
-      </p:sp>
-      <p:sp>
-        <p:nvSpPr>
-          <p:cNvPr id="2" name="Rectangle 1">
-            <a:extLst>
-              <a:ext uri="{FF2B5EF4-FFF2-40B4-BE49-F238E27FC236}">
-                <a16:creationId xmlns:a16="http://schemas.microsoft.com/office/drawing/2014/main" id="{7A51584E-1401-014E-9A9C-242FD5F3A139}"/>
-              </a:ext>
-            </a:extLst>
-          </p:cNvPr>
-          <p:cNvSpPr/>
-          <p:nvPr/>
-        </p:nvSpPr>
-        <p:spPr>
-          <a:xfrm>
-            <a:off x="3402447" y="2865605"/>
-            <a:ext cx="2339102" cy="646331"/>
-          </a:xfrm>
-          <a:prstGeom prst="rect">
-            <a:avLst/>
-          </a:prstGeom>
-        </p:spPr>
-        <p:txBody>
-          <a:bodyPr wrap="none">
-            <a:spAutoFit/>
-          </a:bodyPr>
-          <a:lstStyle/>
-          <a:p>
-            <a:r>
-              <a:rPr lang="en-US" sz="3600" dirty="0">
+              <a:rPr lang="en-US" sz="3000" dirty="0">
                 <a:solidFill>
                   <a:schemeClr val="bg1"/>
                 </a:solidFill>
@@ -13727,6 +13788,15 @@
 </file>
 
 <file path=customXml/item1.xml><?xml version="1.0" encoding="utf-8"?>
+<?mso-contentType ?>
+<FormTemplates xmlns="http://schemas.microsoft.com/sharepoint/v3/contenttype/forms">
+  <Display>DocumentLibraryForm</Display>
+  <Edit>DocumentLibraryForm</Edit>
+  <New>DocumentLibraryForm</New>
+</FormTemplates>
+</file>
+
+<file path=customXml/item2.xml><?xml version="1.0" encoding="utf-8"?>
 <ct:contentTypeSchema xmlns:ct="http://schemas.microsoft.com/office/2006/metadata/contentType" xmlns:ma="http://schemas.microsoft.com/office/2006/metadata/properties/metaAttributes" ct:_="" ma:_="" ma:contentTypeName="Document" ma:contentTypeID="0x010100D26A3D6C04DFD740953BA1B2B9E62D60" ma:contentTypeVersion="0" ma:contentTypeDescription="Create a new document." ma:contentTypeScope="" ma:versionID="26617cd14cd3af163c0e97ff614e520a">
   <xsd:schema xmlns:xsd="http://www.w3.org/2001/XMLSchema" xmlns:xs="http://www.w3.org/2001/XMLSchema" xmlns:p="http://schemas.microsoft.com/office/2006/metadata/properties" targetNamespace="http://schemas.microsoft.com/office/2006/metadata/properties" ma:root="true" ma:fieldsID="c64490b4aec6201516c3a874156f37b2">
     <xsd:element name="properties">
@@ -13840,15 +13910,6 @@
 </ct:contentTypeSchema>
 </file>
 
-<file path=customXml/item2.xml><?xml version="1.0" encoding="utf-8"?>
-<?mso-contentType ?>
-<FormTemplates xmlns="http://schemas.microsoft.com/sharepoint/v3/contenttype/forms">
-  <Display>DocumentLibraryForm</Display>
-  <Edit>DocumentLibraryForm</Edit>
-  <New>DocumentLibraryForm</New>
-</FormTemplates>
-</file>
-
 <file path=customXml/item3.xml><?xml version="1.0" encoding="utf-8"?>
 <p:properties xmlns:p="http://schemas.microsoft.com/office/2006/metadata/properties" xmlns:xsi="http://www.w3.org/2001/XMLSchema-instance">
   <documentManagement/>
@@ -13856,6 +13917,14 @@
 </file>
 
 <file path=customXml/itemProps1.xml><?xml version="1.0" encoding="utf-8"?>
+<ds:datastoreItem xmlns:ds="http://schemas.openxmlformats.org/officeDocument/2006/customXml" ds:itemID="{705B35A6-8B52-46A5-AE45-B98C6459DC10}">
+  <ds:schemaRefs>
+    <ds:schemaRef ds:uri="http://schemas.microsoft.com/sharepoint/v3/contenttype/forms"/>
+  </ds:schemaRefs>
+</ds:datastoreItem>
+</file>
+
+<file path=customXml/itemProps2.xml><?xml version="1.0" encoding="utf-8"?>
 <ds:datastoreItem xmlns:ds="http://schemas.openxmlformats.org/officeDocument/2006/customXml" ds:itemID="{51A3258A-222C-4488-825E-7520D001FB75}">
   <ds:schemaRefs>
     <ds:schemaRef ds:uri="http://schemas.microsoft.com/office/2006/metadata/contentType"/>
@@ -13867,14 +13936,6 @@
     <ds:schemaRef ds:uri="http://purl.org/dc/terms/"/>
     <ds:schemaRef ds:uri="http://schemas.microsoft.com/internal/obd"/>
     <ds:schemaRef ds:uri="http://schemas.microsoft.com/office/infopath/2007/PartnerControls"/>
-  </ds:schemaRefs>
-</ds:datastoreItem>
-</file>
-
-<file path=customXml/itemProps2.xml><?xml version="1.0" encoding="utf-8"?>
-<ds:datastoreItem xmlns:ds="http://schemas.openxmlformats.org/officeDocument/2006/customXml" ds:itemID="{705B35A6-8B52-46A5-AE45-B98C6459DC10}">
-  <ds:schemaRefs>
-    <ds:schemaRef ds:uri="http://schemas.microsoft.com/sharepoint/v3/contenttype/forms"/>
   </ds:schemaRefs>
 </ds:datastoreItem>
 </file>
